--- a/notebook/test.pptx
+++ b/notebook/test.pptx
@@ -215,9 +215,7 @@
 
 <file path=ppt/commentAuthors.xml><?xml version="1.0" encoding="utf-8"?>
 <p:cmAuthorLst xmlns:a="http://schemas.openxmlformats.org/drawingml/2006/main" xmlns:r="http://schemas.openxmlformats.org/officeDocument/2006/relationships" xmlns:p="http://schemas.openxmlformats.org/presentationml/2006/main">
-  <p:cmAuthor id="1" name="稲盛 徹" initials="稲盛" lastIdx="1" clrIdx="0">
-    <p:extLst/>
-  </p:cmAuthor>
+  <p:cmAuthor id="1" name="稲盛 徹" initials="稲盛" lastIdx="1" clrIdx="0"/>
 </p:cmAuthorLst>
 </file>
 
@@ -1373,7 +1371,7 @@
           <a:p>
             <a:fld id="{C8D924F5-A753-8844-B66D-BF3D5335910C}" type="datetimeFigureOut">
               <a:rPr kumimoji="1" lang="ja-JP" altLang="en-US" smtClean="0"/>
-              <a:t>2019/5/13</a:t>
+              <a:t>2019/6/5</a:t>
             </a:fld>
             <a:endParaRPr kumimoji="1" lang="ja-JP" altLang="en-US"/>
           </a:p>
@@ -1575,7 +1573,7 @@
           <a:p>
             <a:fld id="{C8D924F5-A753-8844-B66D-BF3D5335910C}" type="datetimeFigureOut">
               <a:rPr kumimoji="1" lang="ja-JP" altLang="en-US" smtClean="0"/>
-              <a:t>2019/5/13</a:t>
+              <a:t>2019/6/5</a:t>
             </a:fld>
             <a:endParaRPr kumimoji="1" lang="ja-JP" altLang="en-US"/>
           </a:p>
@@ -1787,7 +1785,7 @@
           <a:p>
             <a:fld id="{C8D924F5-A753-8844-B66D-BF3D5335910C}" type="datetimeFigureOut">
               <a:rPr kumimoji="1" lang="ja-JP" altLang="en-US" smtClean="0"/>
-              <a:t>2019/5/13</a:t>
+              <a:t>2019/6/5</a:t>
             </a:fld>
             <a:endParaRPr kumimoji="1" lang="ja-JP" altLang="en-US"/>
           </a:p>
@@ -3196,7 +3194,7 @@
           <a:p>
             <a:fld id="{C8D924F5-A753-8844-B66D-BF3D5335910C}" type="datetimeFigureOut">
               <a:rPr kumimoji="1" lang="ja-JP" altLang="en-US" smtClean="0"/>
-              <a:t>2019/5/13</a:t>
+              <a:t>2019/6/5</a:t>
             </a:fld>
             <a:endParaRPr kumimoji="1" lang="ja-JP" altLang="en-US"/>
           </a:p>
@@ -3490,7 +3488,7 @@
           <a:p>
             <a:fld id="{C8D924F5-A753-8844-B66D-BF3D5335910C}" type="datetimeFigureOut">
               <a:rPr kumimoji="1" lang="ja-JP" altLang="en-US" smtClean="0"/>
-              <a:t>2019/5/13</a:t>
+              <a:t>2019/6/5</a:t>
             </a:fld>
             <a:endParaRPr kumimoji="1" lang="ja-JP" altLang="en-US"/>
           </a:p>
@@ -3919,7 +3917,7 @@
           <a:p>
             <a:fld id="{C8D924F5-A753-8844-B66D-BF3D5335910C}" type="datetimeFigureOut">
               <a:rPr kumimoji="1" lang="ja-JP" altLang="en-US" smtClean="0"/>
-              <a:t>2019/5/13</a:t>
+              <a:t>2019/6/5</a:t>
             </a:fld>
             <a:endParaRPr kumimoji="1" lang="ja-JP" altLang="en-US"/>
           </a:p>
@@ -4037,7 +4035,7 @@
           <a:p>
             <a:fld id="{C8D924F5-A753-8844-B66D-BF3D5335910C}" type="datetimeFigureOut">
               <a:rPr kumimoji="1" lang="ja-JP" altLang="en-US" smtClean="0"/>
-              <a:t>2019/5/13</a:t>
+              <a:t>2019/6/5</a:t>
             </a:fld>
             <a:endParaRPr kumimoji="1" lang="ja-JP" altLang="en-US"/>
           </a:p>
@@ -4260,7 +4258,7 @@
           <a:p>
             <a:fld id="{C8D924F5-A753-8844-B66D-BF3D5335910C}" type="datetimeFigureOut">
               <a:rPr kumimoji="1" lang="ja-JP" altLang="en-US" smtClean="0"/>
-              <a:t>2019/5/13</a:t>
+              <a:t>2019/6/5</a:t>
             </a:fld>
             <a:endParaRPr kumimoji="1" lang="ja-JP" altLang="en-US"/>
           </a:p>
@@ -4569,7 +4567,7 @@
           <a:p>
             <a:fld id="{C8D924F5-A753-8844-B66D-BF3D5335910C}" type="datetimeFigureOut">
               <a:rPr kumimoji="1" lang="ja-JP" altLang="en-US" smtClean="0"/>
-              <a:t>2019/5/13</a:t>
+              <a:t>2019/6/5</a:t>
             </a:fld>
             <a:endParaRPr kumimoji="1" lang="ja-JP" altLang="en-US"/>
           </a:p>
@@ -4823,7 +4821,7 @@
           <a:p>
             <a:fld id="{C8D924F5-A753-8844-B66D-BF3D5335910C}" type="datetimeFigureOut">
               <a:rPr kumimoji="1" lang="ja-JP" altLang="en-US" smtClean="0"/>
-              <a:t>2019/5/13</a:t>
+              <a:t>2019/6/5</a:t>
             </a:fld>
             <a:endParaRPr kumimoji="1" lang="ja-JP" altLang="en-US"/>
           </a:p>
@@ -5067,7 +5065,7 @@
           <a:p>
             <a:fld id="{C8D924F5-A753-8844-B66D-BF3D5335910C}" type="datetimeFigureOut">
               <a:rPr kumimoji="1" lang="ja-JP" altLang="en-US" smtClean="0"/>
-              <a:t>2019/5/13</a:t>
+              <a:t>2019/6/5</a:t>
             </a:fld>
             <a:endParaRPr kumimoji="1" lang="ja-JP" altLang="en-US"/>
           </a:p>
@@ -6000,7 +5998,10 @@
           <a:bodyPr/>
           <a:lstStyle/>
           <a:p>
-            <a:endParaRPr kumimoji="1" lang="ja-JP" altLang="en-US"/>
+            <a:r>
+              <a:rPr kumimoji="1" lang="ja-JP" altLang="en-US"/>
+              <a:t>テスト</a:t>
+            </a:r>
           </a:p>
         </p:txBody>
       </p:sp>
@@ -6909,9 +6910,12 @@
 </file>
 
 <file path=customXml/item1.xml><?xml version="1.0" encoding="utf-8"?>
-<p:properties xmlns:p="http://schemas.microsoft.com/office/2006/metadata/properties" xmlns:xsi="http://www.w3.org/2001/XMLSchema-instance" xmlns:pc="http://schemas.microsoft.com/office/infopath/2007/PartnerControls">
-  <documentManagement/>
-</p:properties>
+<?mso-contentType ?>
+<FormTemplates xmlns="http://schemas.microsoft.com/sharepoint/v3/contenttype/forms">
+  <Display>DocumentLibraryForm</Display>
+  <Edit>DocumentLibraryForm</Edit>
+  <New>DocumentLibraryForm</New>
+</FormTemplates>
 </file>
 
 <file path=customXml/item2.xml><?xml version="1.0" encoding="utf-8"?>
@@ -7067,26 +7071,15 @@
 </file>
 
 <file path=customXml/item3.xml><?xml version="1.0" encoding="utf-8"?>
-<?mso-contentType ?>
-<FormTemplates xmlns="http://schemas.microsoft.com/sharepoint/v3/contenttype/forms">
-  <Display>DocumentLibraryForm</Display>
-  <Edit>DocumentLibraryForm</Edit>
-  <New>DocumentLibraryForm</New>
-</FormTemplates>
+<p:properties xmlns:p="http://schemas.microsoft.com/office/2006/metadata/properties" xmlns:xsi="http://www.w3.org/2001/XMLSchema-instance" xmlns:pc="http://schemas.microsoft.com/office/infopath/2007/PartnerControls">
+  <documentManagement/>
+</p:properties>
 </file>
 
 <file path=customXml/itemProps1.xml><?xml version="1.0" encoding="utf-8"?>
-<ds:datastoreItem xmlns:ds="http://schemas.openxmlformats.org/officeDocument/2006/customXml" ds:itemID="{5A343E97-73AD-47B5-863A-1968ABA3D2BC}">
+<ds:datastoreItem xmlns:ds="http://schemas.openxmlformats.org/officeDocument/2006/customXml" ds:itemID="{D72EC3B1-BD82-41E7-BD07-897D78429B0F}">
   <ds:schemaRefs>
-    <ds:schemaRef ds:uri="http://purl.org/dc/terms/"/>
-    <ds:schemaRef ds:uri="http://schemas.microsoft.com/office/2006/documentManagement/types"/>
-    <ds:schemaRef ds:uri="http://purl.org/dc/elements/1.1/"/>
-    <ds:schemaRef ds:uri="http://schemas.microsoft.com/office/2006/metadata/properties"/>
-    <ds:schemaRef ds:uri="http://schemas.microsoft.com/office/infopath/2007/PartnerControls"/>
-    <ds:schemaRef ds:uri="http://schemas.openxmlformats.org/package/2006/metadata/core-properties"/>
-    <ds:schemaRef ds:uri="8f806b0e-11c8-40e0-92ae-1d7b59cb7933"/>
-    <ds:schemaRef ds:uri="http://www.w3.org/XML/1998/namespace"/>
-    <ds:schemaRef ds:uri="http://purl.org/dc/dcmitype/"/>
+    <ds:schemaRef ds:uri="http://schemas.microsoft.com/sharepoint/v3/contenttype/forms"/>
   </ds:schemaRefs>
 </ds:datastoreItem>
 </file>
@@ -7110,9 +7103,17 @@
 </file>
 
 <file path=customXml/itemProps3.xml><?xml version="1.0" encoding="utf-8"?>
-<ds:datastoreItem xmlns:ds="http://schemas.openxmlformats.org/officeDocument/2006/customXml" ds:itemID="{D72EC3B1-BD82-41E7-BD07-897D78429B0F}">
+<ds:datastoreItem xmlns:ds="http://schemas.openxmlformats.org/officeDocument/2006/customXml" ds:itemID="{5A343E97-73AD-47B5-863A-1968ABA3D2BC}">
   <ds:schemaRefs>
-    <ds:schemaRef ds:uri="http://schemas.microsoft.com/sharepoint/v3/contenttype/forms"/>
+    <ds:schemaRef ds:uri="http://purl.org/dc/terms/"/>
+    <ds:schemaRef ds:uri="http://schemas.microsoft.com/office/2006/documentManagement/types"/>
+    <ds:schemaRef ds:uri="http://purl.org/dc/elements/1.1/"/>
+    <ds:schemaRef ds:uri="http://schemas.microsoft.com/office/2006/metadata/properties"/>
+    <ds:schemaRef ds:uri="http://schemas.microsoft.com/office/infopath/2007/PartnerControls"/>
+    <ds:schemaRef ds:uri="http://schemas.openxmlformats.org/package/2006/metadata/core-properties"/>
+    <ds:schemaRef ds:uri="8f806b0e-11c8-40e0-92ae-1d7b59cb7933"/>
+    <ds:schemaRef ds:uri="http://www.w3.org/XML/1998/namespace"/>
+    <ds:schemaRef ds:uri="http://purl.org/dc/dcmitype/"/>
   </ds:schemaRefs>
 </ds:datastoreItem>
 </file>